--- a/input/images-source/interactionAdminPush.pptx
+++ b/input/images-source/interactionAdminPush.pptx
@@ -259,7 +259,7 @@
           <a:p>
             <a:fld id="{310C071C-6584-4EA9-9D18-9F2D6E54A93B}" type="datetimeFigureOut">
               <a:rPr lang="fr-FR" smtClean="0"/>
-              <a:t>16/04/2020</a:t>
+              <a:t>09/07/2020</a:t>
             </a:fld>
             <a:endParaRPr lang="fr-FR"/>
           </a:p>
@@ -457,7 +457,7 @@
           <a:p>
             <a:fld id="{310C071C-6584-4EA9-9D18-9F2D6E54A93B}" type="datetimeFigureOut">
               <a:rPr lang="fr-FR" smtClean="0"/>
-              <a:t>16/04/2020</a:t>
+              <a:t>09/07/2020</a:t>
             </a:fld>
             <a:endParaRPr lang="fr-FR"/>
           </a:p>
@@ -665,7 +665,7 @@
           <a:p>
             <a:fld id="{310C071C-6584-4EA9-9D18-9F2D6E54A93B}" type="datetimeFigureOut">
               <a:rPr lang="fr-FR" smtClean="0"/>
-              <a:t>16/04/2020</a:t>
+              <a:t>09/07/2020</a:t>
             </a:fld>
             <a:endParaRPr lang="fr-FR"/>
           </a:p>
@@ -863,7 +863,7 @@
           <a:p>
             <a:fld id="{310C071C-6584-4EA9-9D18-9F2D6E54A93B}" type="datetimeFigureOut">
               <a:rPr lang="fr-FR" smtClean="0"/>
-              <a:t>16/04/2020</a:t>
+              <a:t>09/07/2020</a:t>
             </a:fld>
             <a:endParaRPr lang="fr-FR"/>
           </a:p>
@@ -1138,7 +1138,7 @@
           <a:p>
             <a:fld id="{310C071C-6584-4EA9-9D18-9F2D6E54A93B}" type="datetimeFigureOut">
               <a:rPr lang="fr-FR" smtClean="0"/>
-              <a:t>16/04/2020</a:t>
+              <a:t>09/07/2020</a:t>
             </a:fld>
             <a:endParaRPr lang="fr-FR"/>
           </a:p>
@@ -1403,7 +1403,7 @@
           <a:p>
             <a:fld id="{310C071C-6584-4EA9-9D18-9F2D6E54A93B}" type="datetimeFigureOut">
               <a:rPr lang="fr-FR" smtClean="0"/>
-              <a:t>16/04/2020</a:t>
+              <a:t>09/07/2020</a:t>
             </a:fld>
             <a:endParaRPr lang="fr-FR"/>
           </a:p>
@@ -1815,7 +1815,7 @@
           <a:p>
             <a:fld id="{310C071C-6584-4EA9-9D18-9F2D6E54A93B}" type="datetimeFigureOut">
               <a:rPr lang="fr-FR" smtClean="0"/>
-              <a:t>16/04/2020</a:t>
+              <a:t>09/07/2020</a:t>
             </a:fld>
             <a:endParaRPr lang="fr-FR"/>
           </a:p>
@@ -1956,7 +1956,7 @@
           <a:p>
             <a:fld id="{310C071C-6584-4EA9-9D18-9F2D6E54A93B}" type="datetimeFigureOut">
               <a:rPr lang="fr-FR" smtClean="0"/>
-              <a:t>16/04/2020</a:t>
+              <a:t>09/07/2020</a:t>
             </a:fld>
             <a:endParaRPr lang="fr-FR"/>
           </a:p>
@@ -2069,7 +2069,7 @@
           <a:p>
             <a:fld id="{310C071C-6584-4EA9-9D18-9F2D6E54A93B}" type="datetimeFigureOut">
               <a:rPr lang="fr-FR" smtClean="0"/>
-              <a:t>16/04/2020</a:t>
+              <a:t>09/07/2020</a:t>
             </a:fld>
             <a:endParaRPr lang="fr-FR"/>
           </a:p>
@@ -2380,7 +2380,7 @@
           <a:p>
             <a:fld id="{310C071C-6584-4EA9-9D18-9F2D6E54A93B}" type="datetimeFigureOut">
               <a:rPr lang="fr-FR" smtClean="0"/>
-              <a:t>16/04/2020</a:t>
+              <a:t>09/07/2020</a:t>
             </a:fld>
             <a:endParaRPr lang="fr-FR"/>
           </a:p>
@@ -2668,7 +2668,7 @@
           <a:p>
             <a:fld id="{310C071C-6584-4EA9-9D18-9F2D6E54A93B}" type="datetimeFigureOut">
               <a:rPr lang="fr-FR" smtClean="0"/>
-              <a:t>16/04/2020</a:t>
+              <a:t>09/07/2020</a:t>
             </a:fld>
             <a:endParaRPr lang="fr-FR"/>
           </a:p>
@@ -2909,7 +2909,7 @@
           <a:p>
             <a:fld id="{310C071C-6584-4EA9-9D18-9F2D6E54A93B}" type="datetimeFigureOut">
               <a:rPr lang="fr-FR" smtClean="0"/>
-              <a:t>16/04/2020</a:t>
+              <a:t>09/07/2020</a:t>
             </a:fld>
             <a:endParaRPr lang="fr-FR"/>
           </a:p>
@@ -3896,7 +3896,7 @@
                 <a:latin typeface="Source Sans Pro" panose="020B0503030403020204" pitchFamily="34" charset="0"/>
                 <a:ea typeface="Source Sans Pro" panose="020B0503030403020204" pitchFamily="34" charset="0"/>
               </a:rPr>
-              <a:t>(HTTP PUT, POST, DELETE, PATCH)</a:t>
+              <a:t>(HTTP POST transaction Bundle)</a:t>
             </a:r>
           </a:p>
         </p:txBody>
